--- a/Parallel/Parallelizing PowerShell.pptx
+++ b/Parallel/Parallelizing PowerShell.pptx
@@ -5634,273 +5634,21 @@
           <a:bodyPr/>
           <a:lstStyle/>
           <a:p>
+            <a:pPr lvl="1"/>
+            <a:r>
+              <a:rPr lang="de-DE" dirty="0"/>
+              <a:t>@</a:t>
+            </a:r>
             <a:r>
               <a:rPr lang="de-DE" dirty="0" err="1"/>
-              <a:t>Feel</a:t>
-            </a:r>
-            <a:r>
-              <a:rPr lang="de-DE" dirty="0"/>
-              <a:t> </a:t>
-            </a:r>
-            <a:r>
-              <a:rPr lang="de-DE" dirty="0" err="1"/>
-              <a:t>free</a:t>
-            </a:r>
-            <a:r>
-              <a:rPr lang="de-DE" dirty="0"/>
-              <a:t> </a:t>
-            </a:r>
-            <a:r>
-              <a:rPr lang="de-DE" dirty="0" err="1"/>
-              <a:t>to</a:t>
-            </a:r>
-            <a:r>
-              <a:rPr lang="de-DE" dirty="0"/>
-              <a:t> </a:t>
-            </a:r>
-            <a:r>
-              <a:rPr lang="de-DE" dirty="0" err="1"/>
-              <a:t>add</a:t>
-            </a:r>
-            <a:r>
-              <a:rPr lang="de-DE" dirty="0"/>
-              <a:t> </a:t>
-            </a:r>
-            <a:r>
-              <a:rPr lang="de-DE" dirty="0" err="1"/>
-              <a:t>information</a:t>
-            </a:r>
-            <a:r>
-              <a:rPr lang="de-DE" dirty="0"/>
-              <a:t> </a:t>
-            </a:r>
-            <a:r>
-              <a:rPr lang="de-DE" dirty="0" err="1"/>
-              <a:t>about</a:t>
-            </a:r>
-            <a:r>
-              <a:rPr lang="de-DE" dirty="0"/>
-              <a:t> </a:t>
-            </a:r>
-            <a:r>
-              <a:rPr lang="de-DE" dirty="0" err="1"/>
-              <a:t>yourself</a:t>
-            </a:r>
-            <a:endParaRPr lang="de-DE" dirty="0"/>
-          </a:p>
-          <a:p>
-            <a:r>
-              <a:rPr lang="de-DE" dirty="0" err="1"/>
-              <a:t>You</a:t>
-            </a:r>
-            <a:r>
-              <a:rPr lang="de-DE" dirty="0"/>
-              <a:t> </a:t>
-            </a:r>
-            <a:r>
-              <a:rPr lang="de-DE" dirty="0" err="1"/>
-              <a:t>may</a:t>
-            </a:r>
-            <a:r>
-              <a:rPr lang="de-DE" dirty="0"/>
-              <a:t> </a:t>
-            </a:r>
-            <a:r>
-              <a:rPr lang="de-DE" dirty="0" err="1"/>
-              <a:t>advertise</a:t>
-            </a:r>
-            <a:r>
-              <a:rPr lang="de-DE" dirty="0"/>
-              <a:t> </a:t>
-            </a:r>
-            <a:r>
-              <a:rPr lang="de-DE" dirty="0" err="1"/>
-              <a:t>for</a:t>
-            </a:r>
-            <a:r>
-              <a:rPr lang="de-DE" dirty="0"/>
-              <a:t> </a:t>
-            </a:r>
-            <a:r>
-              <a:rPr lang="de-DE" dirty="0" err="1"/>
-              <a:t>you</a:t>
-            </a:r>
-            <a:r>
-              <a:rPr lang="de-DE" dirty="0"/>
-              <a:t> </a:t>
-            </a:r>
-            <a:r>
-              <a:rPr lang="de-DE" dirty="0" err="1"/>
-              <a:t>or</a:t>
-            </a:r>
-            <a:r>
-              <a:rPr lang="de-DE" dirty="0"/>
-              <a:t> </a:t>
-            </a:r>
-            <a:r>
-              <a:rPr lang="de-DE" dirty="0" err="1"/>
-              <a:t>your</a:t>
-            </a:r>
-            <a:r>
-              <a:rPr lang="de-DE" dirty="0"/>
-              <a:t> </a:t>
-            </a:r>
-            <a:r>
-              <a:rPr lang="de-DE" dirty="0" err="1"/>
-              <a:t>company</a:t>
-            </a:r>
-            <a:endParaRPr lang="de-DE" dirty="0"/>
-          </a:p>
-          <a:p>
-            <a:endParaRPr lang="de-DE" dirty="0"/>
-          </a:p>
-          <a:p>
-            <a:r>
-              <a:rPr lang="de-DE" dirty="0"/>
-              <a:t>Keep </a:t>
-            </a:r>
-            <a:r>
-              <a:rPr lang="de-DE" dirty="0" err="1"/>
-              <a:t>slide</a:t>
-            </a:r>
-            <a:r>
-              <a:rPr lang="de-DE" dirty="0"/>
-              <a:t> at </a:t>
-            </a:r>
-            <a:r>
-              <a:rPr lang="de-DE" dirty="0" err="1"/>
-              <a:t>the</a:t>
-            </a:r>
-            <a:r>
-              <a:rPr lang="de-DE" dirty="0"/>
-              <a:t> end </a:t>
-            </a:r>
-            <a:r>
-              <a:rPr lang="de-DE" dirty="0" err="1"/>
-              <a:t>of</a:t>
-            </a:r>
-            <a:r>
-              <a:rPr lang="de-DE" dirty="0"/>
-              <a:t> </a:t>
-            </a:r>
-            <a:r>
-              <a:rPr lang="de-DE" dirty="0" err="1"/>
-              <a:t>your</a:t>
-            </a:r>
-            <a:r>
-              <a:rPr lang="de-DE" dirty="0"/>
-              <a:t> </a:t>
-            </a:r>
-            <a:r>
-              <a:rPr lang="de-DE" dirty="0" err="1"/>
-              <a:t>presentation</a:t>
-            </a:r>
-            <a:endParaRPr lang="de-DE" dirty="0"/>
-          </a:p>
-          <a:p>
-            <a:endParaRPr lang="de-DE" dirty="0"/>
-          </a:p>
-          <a:p>
-            <a:r>
-              <a:rPr lang="de-DE" dirty="0"/>
-              <a:t>Do not </a:t>
-            </a:r>
-            <a:r>
-              <a:rPr lang="de-DE" dirty="0" err="1"/>
-              <a:t>use</a:t>
-            </a:r>
-            <a:r>
-              <a:rPr lang="de-DE" dirty="0"/>
-              <a:t> </a:t>
-            </a:r>
-            <a:r>
-              <a:rPr lang="de-DE" dirty="0" err="1"/>
-              <a:t>presentation</a:t>
-            </a:r>
-            <a:r>
-              <a:rPr lang="de-DE" dirty="0"/>
-              <a:t> time </a:t>
-            </a:r>
-            <a:r>
-              <a:rPr lang="de-DE" dirty="0" err="1"/>
-              <a:t>for</a:t>
-            </a:r>
-            <a:r>
-              <a:rPr lang="de-DE" dirty="0"/>
-              <a:t> </a:t>
-            </a:r>
-            <a:r>
-              <a:rPr lang="de-DE" dirty="0" err="1"/>
-              <a:t>your</a:t>
-            </a:r>
-            <a:r>
-              <a:rPr lang="de-DE" dirty="0"/>
-              <a:t> </a:t>
-            </a:r>
-            <a:r>
-              <a:rPr lang="de-DE" dirty="0" err="1"/>
-              <a:t>bio</a:t>
-            </a:r>
-            <a:endParaRPr lang="de-DE" dirty="0"/>
-          </a:p>
-          <a:p>
-            <a:pPr lvl="1"/>
-            <a:r>
-              <a:rPr lang="de-DE" dirty="0" err="1"/>
-              <a:t>Instead</a:t>
-            </a:r>
-            <a:r>
-              <a:rPr lang="de-DE" dirty="0"/>
-              <a:t>, </a:t>
-            </a:r>
-            <a:r>
-              <a:rPr lang="de-DE" dirty="0" err="1"/>
-              <a:t>your</a:t>
-            </a:r>
-            <a:r>
-              <a:rPr lang="de-DE" dirty="0"/>
-              <a:t> </a:t>
-            </a:r>
-            <a:r>
-              <a:rPr lang="de-DE" dirty="0" err="1"/>
-              <a:t>bio</a:t>
-            </a:r>
-            <a:r>
-              <a:rPr lang="de-DE" dirty="0"/>
-              <a:t> </a:t>
-            </a:r>
-            <a:r>
-              <a:rPr lang="de-DE" dirty="0" err="1"/>
-              <a:t>is</a:t>
-            </a:r>
-            <a:r>
-              <a:rPr lang="de-DE" dirty="0"/>
-              <a:t> </a:t>
-            </a:r>
-            <a:r>
-              <a:rPr lang="de-DE" dirty="0" err="1"/>
-              <a:t>published</a:t>
-            </a:r>
-            <a:r>
-              <a:rPr lang="de-DE" dirty="0"/>
-              <a:t> in </a:t>
-            </a:r>
-            <a:r>
-              <a:rPr lang="de-DE" dirty="0" err="1"/>
-              <a:t>conf</a:t>
-            </a:r>
-            <a:r>
-              <a:rPr lang="de-DE" dirty="0"/>
-              <a:t> </a:t>
-            </a:r>
-            <a:r>
-              <a:rPr lang="de-DE" dirty="0" err="1"/>
-              <a:t>materials</a:t>
-            </a:r>
-            <a:endParaRPr lang="de-DE" dirty="0"/>
-          </a:p>
-          <a:p>
-            <a:pPr lvl="1"/>
+              <a:t>staffangson</a:t>
+            </a:r>
+            <a:endParaRPr lang="de-DE"/>
+          </a:p>
+          <a:p>
+            <a:pPr marL="457200" lvl="1" indent="0">
+              <a:buNone/>
+            </a:pPr>
             <a:endParaRPr lang="de-DE" dirty="0"/>
           </a:p>
         </p:txBody>

--- a/Parallel/Parallelizing PowerShell.pptx
+++ b/Parallel/Parallelizing PowerShell.pptx
@@ -6,10 +6,10 @@
     <p:sldMasterId id="2147483809" r:id="rId2"/>
   </p:sldMasterIdLst>
   <p:notesMasterIdLst>
-    <p:notesMasterId r:id="rId16"/>
+    <p:notesMasterId r:id="rId18"/>
   </p:notesMasterIdLst>
   <p:handoutMasterIdLst>
-    <p:handoutMasterId r:id="rId17"/>
+    <p:handoutMasterId r:id="rId19"/>
   </p:handoutMasterIdLst>
   <p:sldIdLst>
     <p:sldId id="309" r:id="rId3"/>
@@ -19,12 +19,14 @@
     <p:sldId id="319" r:id="rId7"/>
     <p:sldId id="311" r:id="rId8"/>
     <p:sldId id="315" r:id="rId9"/>
-    <p:sldId id="318" r:id="rId10"/>
-    <p:sldId id="281" r:id="rId11"/>
-    <p:sldId id="302" r:id="rId12"/>
-    <p:sldId id="313" r:id="rId13"/>
-    <p:sldId id="314" r:id="rId14"/>
-    <p:sldId id="312" r:id="rId15"/>
+    <p:sldId id="320" r:id="rId10"/>
+    <p:sldId id="318" r:id="rId11"/>
+    <p:sldId id="281" r:id="rId12"/>
+    <p:sldId id="321" r:id="rId13"/>
+    <p:sldId id="302" r:id="rId14"/>
+    <p:sldId id="313" r:id="rId15"/>
+    <p:sldId id="314" r:id="rId16"/>
+    <p:sldId id="312" r:id="rId17"/>
   </p:sldIdLst>
   <p:sldSz cx="9144000" cy="6858000" type="screen4x3"/>
   <p:notesSz cx="7099300" cy="10234613"/>
@@ -1203,6 +1205,190 @@
 </p:notes>
 </file>
 
+<file path=ppt/notesSlides/notesSlide10.xml><?xml version="1.0" encoding="utf-8"?>
+<p:notes xmlns:a="http://schemas.openxmlformats.org/drawingml/2006/main" xmlns:r="http://schemas.openxmlformats.org/officeDocument/2006/relationships" xmlns:p="http://schemas.openxmlformats.org/presentationml/2006/main">
+  <p:cSld>
+    <p:spTree>
+      <p:nvGrpSpPr>
+        <p:cNvPr id="1" name=""/>
+        <p:cNvGrpSpPr/>
+        <p:nvPr/>
+      </p:nvGrpSpPr>
+      <p:grpSpPr>
+        <a:xfrm>
+          <a:off x="0" y="0"/>
+          <a:ext cx="0" cy="0"/>
+          <a:chOff x="0" y="0"/>
+          <a:chExt cx="0" cy="0"/>
+        </a:xfrm>
+      </p:grpSpPr>
+      <p:sp>
+        <p:nvSpPr>
+          <p:cNvPr id="2" name="Platshållare för bildobjekt 1"/>
+          <p:cNvSpPr>
+            <a:spLocks noGrp="1" noRot="1" noChangeAspect="1"/>
+          </p:cNvSpPr>
+          <p:nvPr>
+            <p:ph type="sldImg"/>
+          </p:nvPr>
+        </p:nvSpPr>
+        <p:spPr/>
+      </p:sp>
+      <p:sp>
+        <p:nvSpPr>
+          <p:cNvPr id="3" name="Platshållare för anteckningar 2"/>
+          <p:cNvSpPr>
+            <a:spLocks noGrp="1"/>
+          </p:cNvSpPr>
+          <p:nvPr>
+            <p:ph type="body" idx="1"/>
+          </p:nvPr>
+        </p:nvSpPr>
+        <p:spPr/>
+        <p:txBody>
+          <a:bodyPr/>
+          <a:lstStyle/>
+          <a:p>
+            <a:endParaRPr lang="sv-SE" dirty="0"/>
+          </a:p>
+        </p:txBody>
+      </p:sp>
+      <p:sp>
+        <p:nvSpPr>
+          <p:cNvPr id="4" name="Platshållare för bildnummer 3"/>
+          <p:cNvSpPr>
+            <a:spLocks noGrp="1"/>
+          </p:cNvSpPr>
+          <p:nvPr>
+            <p:ph type="sldNum" sz="quarter" idx="10"/>
+          </p:nvPr>
+        </p:nvSpPr>
+        <p:spPr/>
+        <p:txBody>
+          <a:bodyPr/>
+          <a:lstStyle/>
+          <a:p>
+            <a:pPr>
+              <a:defRPr/>
+            </a:pPr>
+            <a:fld id="{0C6D6275-D5B4-459A-B2A3-212CA60D2300}" type="slidenum">
+              <a:rPr lang="de-DE" smtClean="0"/>
+              <a:pPr>
+                <a:defRPr/>
+              </a:pPr>
+              <a:t>10</a:t>
+            </a:fld>
+            <a:endParaRPr lang="de-DE"/>
+          </a:p>
+        </p:txBody>
+      </p:sp>
+    </p:spTree>
+    <p:extLst>
+      <p:ext uri="{BB962C8B-B14F-4D97-AF65-F5344CB8AC3E}">
+        <p14:creationId xmlns:p14="http://schemas.microsoft.com/office/powerpoint/2010/main" val="2672335948"/>
+      </p:ext>
+    </p:extLst>
+  </p:cSld>
+  <p:clrMapOvr>
+    <a:masterClrMapping/>
+  </p:clrMapOvr>
+</p:notes>
+</file>
+
+<file path=ppt/notesSlides/notesSlide11.xml><?xml version="1.0" encoding="utf-8"?>
+<p:notes xmlns:a="http://schemas.openxmlformats.org/drawingml/2006/main" xmlns:r="http://schemas.openxmlformats.org/officeDocument/2006/relationships" xmlns:p="http://schemas.openxmlformats.org/presentationml/2006/main">
+  <p:cSld>
+    <p:spTree>
+      <p:nvGrpSpPr>
+        <p:cNvPr id="1" name=""/>
+        <p:cNvGrpSpPr/>
+        <p:nvPr/>
+      </p:nvGrpSpPr>
+      <p:grpSpPr>
+        <a:xfrm>
+          <a:off x="0" y="0"/>
+          <a:ext cx="0" cy="0"/>
+          <a:chOff x="0" y="0"/>
+          <a:chExt cx="0" cy="0"/>
+        </a:xfrm>
+      </p:grpSpPr>
+      <p:sp>
+        <p:nvSpPr>
+          <p:cNvPr id="2" name="Platshållare för bildobjekt 1"/>
+          <p:cNvSpPr>
+            <a:spLocks noGrp="1" noRot="1" noChangeAspect="1"/>
+          </p:cNvSpPr>
+          <p:nvPr>
+            <p:ph type="sldImg"/>
+          </p:nvPr>
+        </p:nvSpPr>
+        <p:spPr/>
+      </p:sp>
+      <p:sp>
+        <p:nvSpPr>
+          <p:cNvPr id="3" name="Platshållare för anteckningar 2"/>
+          <p:cNvSpPr>
+            <a:spLocks noGrp="1"/>
+          </p:cNvSpPr>
+          <p:nvPr>
+            <p:ph type="body" idx="1"/>
+          </p:nvPr>
+        </p:nvSpPr>
+        <p:spPr/>
+        <p:txBody>
+          <a:bodyPr/>
+          <a:lstStyle/>
+          <a:p>
+            <a:r>
+              <a:rPr lang="en-US"/>
+              <a:t>Philo.ps1</a:t>
+            </a:r>
+            <a:endParaRPr lang="sv-SE"/>
+          </a:p>
+        </p:txBody>
+      </p:sp>
+      <p:sp>
+        <p:nvSpPr>
+          <p:cNvPr id="4" name="Platshållare för bildnummer 3"/>
+          <p:cNvSpPr>
+            <a:spLocks noGrp="1"/>
+          </p:cNvSpPr>
+          <p:nvPr>
+            <p:ph type="sldNum" sz="quarter" idx="10"/>
+          </p:nvPr>
+        </p:nvSpPr>
+        <p:spPr/>
+        <p:txBody>
+          <a:bodyPr/>
+          <a:lstStyle/>
+          <a:p>
+            <a:pPr>
+              <a:defRPr/>
+            </a:pPr>
+            <a:fld id="{0C6D6275-D5B4-459A-B2A3-212CA60D2300}" type="slidenum">
+              <a:rPr lang="de-DE" smtClean="0"/>
+              <a:pPr>
+                <a:defRPr/>
+              </a:pPr>
+              <a:t>11</a:t>
+            </a:fld>
+            <a:endParaRPr lang="de-DE"/>
+          </a:p>
+        </p:txBody>
+      </p:sp>
+    </p:spTree>
+    <p:extLst>
+      <p:ext uri="{BB962C8B-B14F-4D97-AF65-F5344CB8AC3E}">
+        <p14:creationId xmlns:p14="http://schemas.microsoft.com/office/powerpoint/2010/main" val="2241578037"/>
+      </p:ext>
+    </p:extLst>
+  </p:cSld>
+  <p:clrMapOvr>
+    <a:masterClrMapping/>
+  </p:clrMapOvr>
+</p:notes>
+</file>
+
 <file path=ppt/notesSlides/notesSlide2.xml><?xml version="1.0" encoding="utf-8"?>
 <p:notes xmlns:a="http://schemas.openxmlformats.org/drawingml/2006/main" xmlns:r="http://schemas.openxmlformats.org/officeDocument/2006/relationships" xmlns:p="http://schemas.openxmlformats.org/presentationml/2006/main">
   <p:cSld>
@@ -1337,7 +1523,287 @@
           <a:bodyPr/>
           <a:lstStyle/>
           <a:p>
+            <a:pPr marL="171450" indent="-171450">
+              <a:buFont typeface="Arial" panose="020B0604020202020204" pitchFamily="34" charset="0"/>
+              <a:buChar char="•"/>
+            </a:pPr>
+            <a:r>
+              <a:rPr lang="sv-SE" dirty="0" err="1"/>
+              <a:t>Many</a:t>
+            </a:r>
+            <a:r>
+              <a:rPr lang="sv-SE" dirty="0"/>
+              <a:t> </a:t>
+            </a:r>
+            <a:r>
+              <a:rPr lang="sv-SE" dirty="0" err="1"/>
+              <a:t>machines</a:t>
+            </a:r>
             <a:endParaRPr lang="sv-SE" dirty="0"/>
+          </a:p>
+          <a:p>
+            <a:pPr marL="628650" lvl="1" indent="-171450">
+              <a:buFont typeface="Arial" panose="020B0604020202020204" pitchFamily="34" charset="0"/>
+              <a:buChar char="•"/>
+            </a:pPr>
+            <a:r>
+              <a:rPr lang="sv-SE" dirty="0"/>
+              <a:t>Pro</a:t>
+            </a:r>
+            <a:r>
+              <a:rPr lang="sv-SE" baseline="0" dirty="0"/>
+              <a:t> – lots </a:t>
+            </a:r>
+            <a:r>
+              <a:rPr lang="sv-SE" baseline="0" dirty="0" err="1"/>
+              <a:t>of</a:t>
+            </a:r>
+            <a:r>
+              <a:rPr lang="sv-SE" baseline="0" dirty="0"/>
+              <a:t> </a:t>
+            </a:r>
+            <a:r>
+              <a:rPr lang="sv-SE" baseline="0" dirty="0" err="1"/>
+              <a:t>power</a:t>
+            </a:r>
+            <a:endParaRPr lang="sv-SE" baseline="0" dirty="0"/>
+          </a:p>
+          <a:p>
+            <a:pPr marL="628650" lvl="1" indent="-171450">
+              <a:buFont typeface="Arial" panose="020B0604020202020204" pitchFamily="34" charset="0"/>
+              <a:buChar char="•"/>
+            </a:pPr>
+            <a:r>
+              <a:rPr lang="sv-SE" baseline="0" dirty="0" err="1"/>
+              <a:t>Cons</a:t>
+            </a:r>
+            <a:r>
+              <a:rPr lang="sv-SE" baseline="0" dirty="0"/>
+              <a:t> – </a:t>
+            </a:r>
+            <a:r>
+              <a:rPr lang="sv-SE" baseline="0" dirty="0" err="1"/>
+              <a:t>you</a:t>
+            </a:r>
+            <a:r>
+              <a:rPr lang="sv-SE" baseline="0" dirty="0"/>
+              <a:t> must </a:t>
+            </a:r>
+            <a:r>
+              <a:rPr lang="sv-SE" baseline="0" dirty="0" err="1"/>
+              <a:t>have</a:t>
+            </a:r>
+            <a:r>
+              <a:rPr lang="sv-SE" baseline="0" dirty="0"/>
+              <a:t> </a:t>
+            </a:r>
+            <a:r>
+              <a:rPr lang="sv-SE" baseline="0" dirty="0" err="1"/>
+              <a:t>them</a:t>
+            </a:r>
+            <a:r>
+              <a:rPr lang="sv-SE" baseline="0" dirty="0"/>
+              <a:t>, </a:t>
+            </a:r>
+            <a:r>
+              <a:rPr lang="sv-SE" baseline="0" dirty="0" err="1"/>
+              <a:t>manage</a:t>
+            </a:r>
+            <a:r>
+              <a:rPr lang="sv-SE" baseline="0" dirty="0"/>
+              <a:t>, </a:t>
+            </a:r>
+            <a:r>
+              <a:rPr lang="sv-SE" baseline="0" dirty="0" err="1"/>
+              <a:t>pay</a:t>
+            </a:r>
+            <a:r>
+              <a:rPr lang="sv-SE" baseline="0" dirty="0"/>
+              <a:t> and </a:t>
+            </a:r>
+            <a:r>
+              <a:rPr lang="sv-SE" baseline="0" dirty="0" err="1"/>
+              <a:t>send</a:t>
+            </a:r>
+            <a:r>
+              <a:rPr lang="sv-SE" baseline="0" dirty="0"/>
+              <a:t> </a:t>
+            </a:r>
+            <a:r>
+              <a:rPr lang="sv-SE" baseline="0" dirty="0" err="1"/>
+              <a:t>commands</a:t>
+            </a:r>
+            <a:r>
+              <a:rPr lang="sv-SE" baseline="0" dirty="0"/>
+              <a:t>, data and </a:t>
+            </a:r>
+            <a:r>
+              <a:rPr lang="sv-SE" baseline="0" dirty="0" err="1"/>
+              <a:t>result</a:t>
+            </a:r>
+            <a:r>
+              <a:rPr lang="sv-SE" baseline="0" dirty="0"/>
+              <a:t> over the wire</a:t>
+            </a:r>
+          </a:p>
+          <a:p>
+            <a:pPr marL="171450" lvl="0" indent="-171450">
+              <a:buFont typeface="Arial" panose="020B0604020202020204" pitchFamily="34" charset="0"/>
+              <a:buChar char="•"/>
+            </a:pPr>
+            <a:r>
+              <a:rPr lang="sv-SE" baseline="0" dirty="0" err="1"/>
+              <a:t>Many</a:t>
+            </a:r>
+            <a:r>
+              <a:rPr lang="sv-SE" baseline="0" dirty="0"/>
+              <a:t> </a:t>
+            </a:r>
+            <a:r>
+              <a:rPr lang="sv-SE" baseline="0" dirty="0" err="1"/>
+              <a:t>Processes</a:t>
+            </a:r>
+            <a:endParaRPr lang="sv-SE" baseline="0" dirty="0"/>
+          </a:p>
+          <a:p>
+            <a:pPr marL="628650" lvl="1" indent="-171450">
+              <a:buFont typeface="Arial" panose="020B0604020202020204" pitchFamily="34" charset="0"/>
+              <a:buChar char="•"/>
+            </a:pPr>
+            <a:r>
+              <a:rPr lang="sv-SE" baseline="0" dirty="0"/>
+              <a:t>Jobs – </a:t>
+            </a:r>
+            <a:r>
+              <a:rPr lang="sv-SE" baseline="0" dirty="0" err="1"/>
+              <a:t>we</a:t>
+            </a:r>
+            <a:r>
+              <a:rPr lang="sv-SE" baseline="0" dirty="0"/>
+              <a:t> </a:t>
+            </a:r>
+            <a:r>
+              <a:rPr lang="sv-SE" baseline="0" dirty="0" err="1"/>
+              <a:t>have</a:t>
+            </a:r>
+            <a:r>
+              <a:rPr lang="sv-SE" baseline="0" dirty="0"/>
+              <a:t> </a:t>
+            </a:r>
+            <a:r>
+              <a:rPr lang="sv-SE" baseline="0" dirty="0" err="1"/>
+              <a:t>them</a:t>
+            </a:r>
+            <a:r>
+              <a:rPr lang="sv-SE" baseline="0" dirty="0"/>
+              <a:t> </a:t>
+            </a:r>
+            <a:r>
+              <a:rPr lang="sv-SE" baseline="0" dirty="0" err="1"/>
+              <a:t>today</a:t>
+            </a:r>
+            <a:endParaRPr lang="sv-SE" baseline="0" dirty="0"/>
+          </a:p>
+          <a:p>
+            <a:pPr marL="628650" lvl="1" indent="-171450">
+              <a:buFont typeface="Arial" panose="020B0604020202020204" pitchFamily="34" charset="0"/>
+              <a:buChar char="•"/>
+            </a:pPr>
+            <a:r>
+              <a:rPr lang="sv-SE" baseline="0" dirty="0" err="1"/>
+              <a:t>Safe</a:t>
+            </a:r>
+            <a:endParaRPr lang="sv-SE" baseline="0" dirty="0"/>
+          </a:p>
+          <a:p>
+            <a:pPr marL="628650" lvl="1" indent="-171450">
+              <a:buFont typeface="Arial" panose="020B0604020202020204" pitchFamily="34" charset="0"/>
+              <a:buChar char="•"/>
+            </a:pPr>
+            <a:r>
+              <a:rPr lang="sv-SE" baseline="0" dirty="0" err="1"/>
+              <a:t>Cons</a:t>
+            </a:r>
+            <a:r>
+              <a:rPr lang="sv-SE" baseline="0" dirty="0"/>
+              <a:t> – not </a:t>
+            </a:r>
+            <a:r>
+              <a:rPr lang="sv-SE" baseline="0" dirty="0" err="1"/>
+              <a:t>easy</a:t>
+            </a:r>
+            <a:r>
+              <a:rPr lang="sv-SE" baseline="0" dirty="0"/>
+              <a:t> in the pipeline, </a:t>
+            </a:r>
+            <a:r>
+              <a:rPr lang="sv-SE" baseline="0" dirty="0" err="1"/>
+              <a:t>High</a:t>
+            </a:r>
+            <a:r>
+              <a:rPr lang="sv-SE" baseline="0" dirty="0"/>
+              <a:t> overhead</a:t>
+            </a:r>
+          </a:p>
+          <a:p>
+            <a:pPr marL="228600" lvl="0" indent="-228600">
+              <a:buFont typeface="Arial" panose="020B0604020202020204" pitchFamily="34" charset="0"/>
+              <a:buChar char="•"/>
+            </a:pPr>
+            <a:r>
+              <a:rPr lang="sv-SE" baseline="0" dirty="0"/>
+              <a:t>May </a:t>
+            </a:r>
+            <a:r>
+              <a:rPr lang="sv-SE" baseline="0" dirty="0" err="1"/>
+              <a:t>Threads</a:t>
+            </a:r>
+            <a:endParaRPr lang="sv-SE" baseline="0" dirty="0"/>
+          </a:p>
+          <a:p>
+            <a:pPr marL="685800" lvl="1" indent="-228600">
+              <a:buFont typeface="Arial" panose="020B0604020202020204" pitchFamily="34" charset="0"/>
+              <a:buChar char="•"/>
+            </a:pPr>
+            <a:r>
+              <a:rPr lang="sv-SE" baseline="0" dirty="0"/>
+              <a:t>Fast, </a:t>
+            </a:r>
+            <a:r>
+              <a:rPr lang="sv-SE" baseline="0" dirty="0" err="1"/>
+              <a:t>close</a:t>
+            </a:r>
+            <a:endParaRPr lang="sv-SE" baseline="0" dirty="0"/>
+          </a:p>
+          <a:p>
+            <a:pPr marL="685800" lvl="1" indent="-228600">
+              <a:buFont typeface="Arial" panose="020B0604020202020204" pitchFamily="34" charset="0"/>
+              <a:buChar char="•"/>
+            </a:pPr>
+            <a:r>
+              <a:rPr lang="sv-SE" baseline="0" dirty="0" err="1"/>
+              <a:t>Cons</a:t>
+            </a:r>
+            <a:r>
+              <a:rPr lang="sv-SE" baseline="0" dirty="0"/>
+              <a:t> – </a:t>
+            </a:r>
+            <a:r>
+              <a:rPr lang="sv-SE" baseline="0" dirty="0" err="1"/>
+              <a:t>Unsafe</a:t>
+            </a:r>
+            <a:r>
+              <a:rPr lang="sv-SE" baseline="0" dirty="0"/>
+              <a:t>. </a:t>
+            </a:r>
+            <a:r>
+              <a:rPr lang="sv-SE" baseline="0" dirty="0" err="1"/>
+              <a:t>Yeah</a:t>
+            </a:r>
+            <a:r>
+              <a:rPr lang="sv-SE" baseline="0" dirty="0"/>
+              <a:t>!</a:t>
+            </a:r>
           </a:p>
         </p:txBody>
       </p:sp>
@@ -1364,7 +1830,7 @@
               <a:pPr>
                 <a:defRPr/>
               </a:pPr>
-              <a:t>4</a:t>
+              <a:t>3</a:t>
             </a:fld>
             <a:endParaRPr lang="de-DE"/>
           </a:p>
@@ -1373,7 +1839,7 @@
     </p:spTree>
     <p:extLst>
       <p:ext uri="{BB962C8B-B14F-4D97-AF65-F5344CB8AC3E}">
-        <p14:creationId xmlns:p14="http://schemas.microsoft.com/office/powerpoint/2010/main" val="2361140746"/>
+        <p14:creationId xmlns:p14="http://schemas.microsoft.com/office/powerpoint/2010/main" val="453987203"/>
       </p:ext>
     </p:extLst>
   </p:cSld>
@@ -1454,7 +1920,7 @@
               <a:pPr>
                 <a:defRPr/>
               </a:pPr>
-              <a:t>5</a:t>
+              <a:t>4</a:t>
             </a:fld>
             <a:endParaRPr lang="de-DE"/>
           </a:p>
@@ -1463,7 +1929,7 @@
     </p:spTree>
     <p:extLst>
       <p:ext uri="{BB962C8B-B14F-4D97-AF65-F5344CB8AC3E}">
-        <p14:creationId xmlns:p14="http://schemas.microsoft.com/office/powerpoint/2010/main" val="3267459628"/>
+        <p14:creationId xmlns:p14="http://schemas.microsoft.com/office/powerpoint/2010/main" val="2361140746"/>
       </p:ext>
     </p:extLst>
   </p:cSld>
@@ -1517,6 +1983,20 @@
           <a:bodyPr/>
           <a:lstStyle/>
           <a:p>
+            <a:r>
+              <a:rPr lang="en-US" dirty="0"/>
+              <a:t>This is what is needed</a:t>
+            </a:r>
+            <a:r>
+              <a:rPr lang="en-US" baseline="0" dirty="0"/>
+              <a:t> to set a variable</a:t>
+            </a:r>
+          </a:p>
+          <a:p>
+            <a:r>
+              <a:rPr lang="en-US" baseline="0" dirty="0"/>
+              <a:t>And to use an alias of format-list to display it</a:t>
+            </a:r>
             <a:endParaRPr lang="sv-SE" dirty="0"/>
           </a:p>
         </p:txBody>
@@ -1544,7 +2024,7 @@
               <a:pPr>
                 <a:defRPr/>
               </a:pPr>
-              <a:t>6</a:t>
+              <a:t>5</a:t>
             </a:fld>
             <a:endParaRPr lang="de-DE"/>
           </a:p>
@@ -1553,7 +2033,7 @@
     </p:spTree>
     <p:extLst>
       <p:ext uri="{BB962C8B-B14F-4D97-AF65-F5344CB8AC3E}">
-        <p14:creationId xmlns:p14="http://schemas.microsoft.com/office/powerpoint/2010/main" val="4122180475"/>
+        <p14:creationId xmlns:p14="http://schemas.microsoft.com/office/powerpoint/2010/main" val="3267459628"/>
       </p:ext>
     </p:extLst>
   </p:cSld>
@@ -1607,102 +2087,6 @@
           <a:bodyPr/>
           <a:lstStyle/>
           <a:p>
-            <a:r>
-              <a:rPr lang="sv-SE" dirty="0"/>
-              <a:t>The</a:t>
-            </a:r>
-            <a:r>
-              <a:rPr lang="sv-SE" baseline="0" dirty="0"/>
-              <a:t> runspace </a:t>
-            </a:r>
-            <a:r>
-              <a:rPr lang="sv-SE" baseline="0" dirty="0" err="1"/>
-              <a:t>keeps</a:t>
-            </a:r>
-            <a:r>
-              <a:rPr lang="sv-SE" baseline="0" dirty="0"/>
-              <a:t> </a:t>
-            </a:r>
-            <a:r>
-              <a:rPr lang="sv-SE" baseline="0" dirty="0" err="1"/>
-              <a:t>track</a:t>
-            </a:r>
-            <a:r>
-              <a:rPr lang="sv-SE" baseline="0" dirty="0"/>
-              <a:t> </a:t>
-            </a:r>
-            <a:r>
-              <a:rPr lang="sv-SE" baseline="0" dirty="0" err="1"/>
-              <a:t>of</a:t>
-            </a:r>
-            <a:r>
-              <a:rPr lang="sv-SE" baseline="0" dirty="0"/>
-              <a:t> the session </a:t>
-            </a:r>
-            <a:r>
-              <a:rPr lang="sv-SE" baseline="0" dirty="0" err="1"/>
-              <a:t>state</a:t>
-            </a:r>
-            <a:r>
-              <a:rPr lang="sv-SE" baseline="0" dirty="0"/>
-              <a:t>, </a:t>
-            </a:r>
-            <a:r>
-              <a:rPr lang="sv-SE" baseline="0" dirty="0" err="1"/>
-              <a:t>i.e</a:t>
-            </a:r>
-            <a:r>
-              <a:rPr lang="sv-SE" baseline="0" dirty="0"/>
-              <a:t> the </a:t>
-            </a:r>
-            <a:r>
-              <a:rPr lang="sv-SE" baseline="0" dirty="0" err="1"/>
-              <a:t>variables</a:t>
-            </a:r>
-            <a:r>
-              <a:rPr lang="sv-SE" baseline="0" dirty="0"/>
-              <a:t>, </a:t>
-            </a:r>
-            <a:r>
-              <a:rPr lang="sv-SE" baseline="0" dirty="0" err="1"/>
-              <a:t>functions</a:t>
-            </a:r>
-            <a:r>
-              <a:rPr lang="sv-SE" baseline="0" dirty="0"/>
-              <a:t>, drives </a:t>
-            </a:r>
-            <a:r>
-              <a:rPr lang="sv-SE" baseline="0" dirty="0" err="1"/>
-              <a:t>etc</a:t>
-            </a:r>
-            <a:r>
-              <a:rPr lang="sv-SE" baseline="0" dirty="0"/>
-              <a:t> and the </a:t>
-            </a:r>
-            <a:r>
-              <a:rPr lang="sv-SE" baseline="0" dirty="0" err="1"/>
-              <a:t>values</a:t>
-            </a:r>
-            <a:r>
-              <a:rPr lang="sv-SE" baseline="0" dirty="0"/>
-              <a:t> </a:t>
-            </a:r>
-            <a:r>
-              <a:rPr lang="sv-SE" baseline="0" dirty="0" err="1"/>
-              <a:t>they</a:t>
-            </a:r>
-            <a:r>
-              <a:rPr lang="sv-SE" baseline="0" dirty="0"/>
-              <a:t> </a:t>
-            </a:r>
-            <a:r>
-              <a:rPr lang="sv-SE" baseline="0" dirty="0" err="1"/>
-              <a:t>have</a:t>
-            </a:r>
-            <a:r>
-              <a:rPr lang="sv-SE" baseline="0" dirty="0"/>
-              <a:t>.</a:t>
-            </a:r>
             <a:endParaRPr lang="sv-SE" dirty="0"/>
           </a:p>
         </p:txBody>
@@ -1730,7 +2114,7 @@
               <a:pPr>
                 <a:defRPr/>
               </a:pPr>
-              <a:t>7</a:t>
+              <a:t>6</a:t>
             </a:fld>
             <a:endParaRPr lang="de-DE"/>
           </a:p>
@@ -1739,7 +2123,7 @@
     </p:spTree>
     <p:extLst>
       <p:ext uri="{BB962C8B-B14F-4D97-AF65-F5344CB8AC3E}">
-        <p14:creationId xmlns:p14="http://schemas.microsoft.com/office/powerpoint/2010/main" val="1424121693"/>
+        <p14:creationId xmlns:p14="http://schemas.microsoft.com/office/powerpoint/2010/main" val="4122180475"/>
       </p:ext>
     </p:extLst>
   </p:cSld>
@@ -1793,6 +2177,102 @@
           <a:bodyPr/>
           <a:lstStyle/>
           <a:p>
+            <a:r>
+              <a:rPr lang="sv-SE" dirty="0"/>
+              <a:t>The</a:t>
+            </a:r>
+            <a:r>
+              <a:rPr lang="sv-SE" baseline="0" dirty="0"/>
+              <a:t> runspace </a:t>
+            </a:r>
+            <a:r>
+              <a:rPr lang="sv-SE" baseline="0" dirty="0" err="1"/>
+              <a:t>keeps</a:t>
+            </a:r>
+            <a:r>
+              <a:rPr lang="sv-SE" baseline="0" dirty="0"/>
+              <a:t> </a:t>
+            </a:r>
+            <a:r>
+              <a:rPr lang="sv-SE" baseline="0" dirty="0" err="1"/>
+              <a:t>track</a:t>
+            </a:r>
+            <a:r>
+              <a:rPr lang="sv-SE" baseline="0" dirty="0"/>
+              <a:t> </a:t>
+            </a:r>
+            <a:r>
+              <a:rPr lang="sv-SE" baseline="0" dirty="0" err="1"/>
+              <a:t>of</a:t>
+            </a:r>
+            <a:r>
+              <a:rPr lang="sv-SE" baseline="0" dirty="0"/>
+              <a:t> the session </a:t>
+            </a:r>
+            <a:r>
+              <a:rPr lang="sv-SE" baseline="0" dirty="0" err="1"/>
+              <a:t>state</a:t>
+            </a:r>
+            <a:r>
+              <a:rPr lang="sv-SE" baseline="0" dirty="0"/>
+              <a:t>, </a:t>
+            </a:r>
+            <a:r>
+              <a:rPr lang="sv-SE" baseline="0" dirty="0" err="1"/>
+              <a:t>i.e</a:t>
+            </a:r>
+            <a:r>
+              <a:rPr lang="sv-SE" baseline="0" dirty="0"/>
+              <a:t> the </a:t>
+            </a:r>
+            <a:r>
+              <a:rPr lang="sv-SE" baseline="0" dirty="0" err="1"/>
+              <a:t>variables</a:t>
+            </a:r>
+            <a:r>
+              <a:rPr lang="sv-SE" baseline="0" dirty="0"/>
+              <a:t>, </a:t>
+            </a:r>
+            <a:r>
+              <a:rPr lang="sv-SE" baseline="0" dirty="0" err="1"/>
+              <a:t>functions</a:t>
+            </a:r>
+            <a:r>
+              <a:rPr lang="sv-SE" baseline="0" dirty="0"/>
+              <a:t>, drives </a:t>
+            </a:r>
+            <a:r>
+              <a:rPr lang="sv-SE" baseline="0" dirty="0" err="1"/>
+              <a:t>etc</a:t>
+            </a:r>
+            <a:r>
+              <a:rPr lang="sv-SE" baseline="0" dirty="0"/>
+              <a:t> and the </a:t>
+            </a:r>
+            <a:r>
+              <a:rPr lang="sv-SE" baseline="0" dirty="0" err="1"/>
+              <a:t>values</a:t>
+            </a:r>
+            <a:r>
+              <a:rPr lang="sv-SE" baseline="0" dirty="0"/>
+              <a:t> </a:t>
+            </a:r>
+            <a:r>
+              <a:rPr lang="sv-SE" baseline="0" dirty="0" err="1"/>
+              <a:t>they</a:t>
+            </a:r>
+            <a:r>
+              <a:rPr lang="sv-SE" baseline="0" dirty="0"/>
+              <a:t> </a:t>
+            </a:r>
+            <a:r>
+              <a:rPr lang="sv-SE" baseline="0" dirty="0" err="1"/>
+              <a:t>have</a:t>
+            </a:r>
+            <a:r>
+              <a:rPr lang="sv-SE" baseline="0" dirty="0"/>
+              <a:t>.</a:t>
+            </a:r>
             <a:endParaRPr lang="sv-SE" dirty="0"/>
           </a:p>
         </p:txBody>
@@ -1820,7 +2300,7 @@
               <a:pPr>
                 <a:defRPr/>
               </a:pPr>
-              <a:t>8</a:t>
+              <a:t>7</a:t>
             </a:fld>
             <a:endParaRPr lang="de-DE"/>
           </a:p>
@@ -1829,7 +2309,7 @@
     </p:spTree>
     <p:extLst>
       <p:ext uri="{BB962C8B-B14F-4D97-AF65-F5344CB8AC3E}">
-        <p14:creationId xmlns:p14="http://schemas.microsoft.com/office/powerpoint/2010/main" val="3388973736"/>
+        <p14:creationId xmlns:p14="http://schemas.microsoft.com/office/powerpoint/2010/main" val="1424121693"/>
       </p:ext>
     </p:extLst>
   </p:cSld>
@@ -1883,6 +2363,10 @@
           <a:bodyPr/>
           <a:lstStyle/>
           <a:p>
+            <a:r>
+              <a:rPr lang="en-US" dirty="0"/>
+              <a:t>Runspaces.ps1</a:t>
+            </a:r>
             <a:endParaRPr lang="sv-SE" dirty="0"/>
           </a:p>
         </p:txBody>
@@ -1910,7 +2394,7 @@
               <a:pPr>
                 <a:defRPr/>
               </a:pPr>
-              <a:t>9</a:t>
+              <a:t>8</a:t>
             </a:fld>
             <a:endParaRPr lang="de-DE"/>
           </a:p>
@@ -1919,7 +2403,97 @@
     </p:spTree>
     <p:extLst>
       <p:ext uri="{BB962C8B-B14F-4D97-AF65-F5344CB8AC3E}">
-        <p14:creationId xmlns:p14="http://schemas.microsoft.com/office/powerpoint/2010/main" val="2672335948"/>
+        <p14:creationId xmlns:p14="http://schemas.microsoft.com/office/powerpoint/2010/main" val="3048982787"/>
+      </p:ext>
+    </p:extLst>
+  </p:cSld>
+  <p:clrMapOvr>
+    <a:masterClrMapping/>
+  </p:clrMapOvr>
+</p:notes>
+</file>
+
+<file path=ppt/notesSlides/notesSlide9.xml><?xml version="1.0" encoding="utf-8"?>
+<p:notes xmlns:a="http://schemas.openxmlformats.org/drawingml/2006/main" xmlns:r="http://schemas.openxmlformats.org/officeDocument/2006/relationships" xmlns:p="http://schemas.openxmlformats.org/presentationml/2006/main">
+  <p:cSld>
+    <p:spTree>
+      <p:nvGrpSpPr>
+        <p:cNvPr id="1" name=""/>
+        <p:cNvGrpSpPr/>
+        <p:nvPr/>
+      </p:nvGrpSpPr>
+      <p:grpSpPr>
+        <a:xfrm>
+          <a:off x="0" y="0"/>
+          <a:ext cx="0" cy="0"/>
+          <a:chOff x="0" y="0"/>
+          <a:chExt cx="0" cy="0"/>
+        </a:xfrm>
+      </p:grpSpPr>
+      <p:sp>
+        <p:nvSpPr>
+          <p:cNvPr id="2" name="Platshållare för bildobjekt 1"/>
+          <p:cNvSpPr>
+            <a:spLocks noGrp="1" noRot="1" noChangeAspect="1"/>
+          </p:cNvSpPr>
+          <p:nvPr>
+            <p:ph type="sldImg"/>
+          </p:nvPr>
+        </p:nvSpPr>
+        <p:spPr/>
+      </p:sp>
+      <p:sp>
+        <p:nvSpPr>
+          <p:cNvPr id="3" name="Platshållare för anteckningar 2"/>
+          <p:cNvSpPr>
+            <a:spLocks noGrp="1"/>
+          </p:cNvSpPr>
+          <p:nvPr>
+            <p:ph type="body" idx="1"/>
+          </p:nvPr>
+        </p:nvSpPr>
+        <p:spPr/>
+        <p:txBody>
+          <a:bodyPr/>
+          <a:lstStyle/>
+          <a:p>
+            <a:endParaRPr lang="sv-SE" dirty="0"/>
+          </a:p>
+        </p:txBody>
+      </p:sp>
+      <p:sp>
+        <p:nvSpPr>
+          <p:cNvPr id="4" name="Platshållare för bildnummer 3"/>
+          <p:cNvSpPr>
+            <a:spLocks noGrp="1"/>
+          </p:cNvSpPr>
+          <p:nvPr>
+            <p:ph type="sldNum" sz="quarter" idx="10"/>
+          </p:nvPr>
+        </p:nvSpPr>
+        <p:spPr/>
+        <p:txBody>
+          <a:bodyPr/>
+          <a:lstStyle/>
+          <a:p>
+            <a:pPr>
+              <a:defRPr/>
+            </a:pPr>
+            <a:fld id="{0C6D6275-D5B4-459A-B2A3-212CA60D2300}" type="slidenum">
+              <a:rPr lang="de-DE" smtClean="0"/>
+              <a:pPr>
+                <a:defRPr/>
+              </a:pPr>
+              <a:t>9</a:t>
+            </a:fld>
+            <a:endParaRPr lang="de-DE"/>
+          </a:p>
+        </p:txBody>
+      </p:sp>
+    </p:spTree>
+    <p:extLst>
+      <p:ext uri="{BB962C8B-B14F-4D97-AF65-F5344CB8AC3E}">
+        <p14:creationId xmlns:p14="http://schemas.microsoft.com/office/powerpoint/2010/main" val="3388973736"/>
       </p:ext>
     </p:extLst>
   </p:cSld>
@@ -5123,7 +5697,7 @@
       </p:grpSpPr>
       <p:sp>
         <p:nvSpPr>
-          <p:cNvPr id="2" name="Titel 1"/>
+          <p:cNvPr id="9218" name="Titel 1"/>
           <p:cNvSpPr>
             <a:spLocks noGrp="1"/>
           </p:cNvSpPr>
@@ -5145,15 +5719,19 @@
           <a:lstStyle/>
           <a:p>
             <a:r>
+              <a:rPr lang="de-DE" dirty="0" err="1"/>
+              <a:t>Invoke</a:t>
+            </a:r>
+            <a:r>
               <a:rPr lang="de-DE" dirty="0"/>
-              <a:t>Summary</a:t>
+              <a:t>-Parallel</a:t>
             </a:r>
           </a:p>
         </p:txBody>
       </p:sp>
       <p:sp>
         <p:nvSpPr>
-          <p:cNvPr id="3" name="Inhaltsplatzhalter 2"/>
+          <p:cNvPr id="9219" name="Inhaltsplatzhalter 2"/>
           <p:cNvSpPr>
             <a:spLocks noGrp="1"/>
           </p:cNvSpPr>
@@ -5166,42 +5744,91 @@
           <a:bodyPr/>
           <a:lstStyle/>
           <a:p>
+            <a:pPr marL="0" indent="0">
+              <a:buNone/>
+            </a:pPr>
             <a:r>
               <a:rPr lang="de-DE" dirty="0" err="1"/>
-              <a:t>Runspaces</a:t>
+              <a:t>Packaging</a:t>
+            </a:r>
+            <a:r>
+              <a:rPr lang="de-DE" dirty="0"/>
+              <a:t> </a:t>
+            </a:r>
+            <a:r>
+              <a:rPr lang="de-DE" dirty="0" err="1"/>
+              <a:t>InitialSessionState</a:t>
+            </a:r>
+            <a:r>
+              <a:rPr lang="de-DE" dirty="0"/>
+              <a:t>, </a:t>
+            </a:r>
+            <a:r>
+              <a:rPr lang="de-DE" dirty="0" err="1"/>
+              <a:t>Runspace</a:t>
+            </a:r>
+            <a:r>
+              <a:rPr lang="de-DE" dirty="0"/>
+              <a:t> </a:t>
+            </a:r>
+            <a:r>
+              <a:rPr lang="de-DE" dirty="0" err="1"/>
+              <a:t>management</a:t>
+            </a:r>
+            <a:r>
+              <a:rPr lang="de-DE" dirty="0"/>
+              <a:t> </a:t>
+            </a:r>
+            <a:r>
+              <a:rPr lang="de-DE" dirty="0" err="1"/>
+              <a:t>and</a:t>
+            </a:r>
+            <a:r>
+              <a:rPr lang="de-DE" dirty="0"/>
+              <a:t> </a:t>
+            </a:r>
+            <a:r>
+              <a:rPr lang="de-DE" dirty="0" err="1"/>
+              <a:t>input</a:t>
+            </a:r>
+            <a:r>
+              <a:rPr lang="de-DE" dirty="0"/>
+              <a:t> </a:t>
+            </a:r>
+            <a:r>
+              <a:rPr lang="de-DE" dirty="0" err="1"/>
+              <a:t>handling</a:t>
+            </a:r>
+            <a:r>
+              <a:rPr lang="de-DE" dirty="0"/>
+              <a:t> </a:t>
+            </a:r>
+            <a:r>
+              <a:rPr lang="de-DE" dirty="0" err="1"/>
+              <a:t>into</a:t>
+            </a:r>
+            <a:r>
+              <a:rPr lang="de-DE" dirty="0"/>
+              <a:t> a </a:t>
+            </a:r>
+            <a:r>
+              <a:rPr lang="de-DE" dirty="0" err="1"/>
+              <a:t>cmdlet</a:t>
             </a:r>
             <a:endParaRPr lang="de-DE" dirty="0"/>
           </a:p>
           <a:p>
-            <a:r>
-              <a:rPr lang="de-DE" dirty="0" err="1"/>
-              <a:t>InitalSessionState</a:t>
-            </a:r>
+            <a:pPr marL="0" indent="0">
+              <a:buNone/>
+            </a:pPr>
             <a:endParaRPr lang="de-DE" dirty="0"/>
-          </a:p>
-          <a:p>
-            <a:r>
-              <a:rPr lang="de-DE" dirty="0"/>
-              <a:t>Managing </a:t>
-            </a:r>
-            <a:r>
-              <a:rPr lang="de-DE" dirty="0" err="1"/>
-              <a:t>streams</a:t>
-            </a:r>
-            <a:endParaRPr lang="de-DE" dirty="0"/>
-          </a:p>
-          <a:p>
-            <a:r>
-              <a:rPr lang="de-DE" dirty="0"/>
-              <a:t>Go crazy</a:t>
-            </a:r>
           </a:p>
         </p:txBody>
       </p:sp>
     </p:spTree>
     <p:extLst>
       <p:ext uri="{BB962C8B-B14F-4D97-AF65-F5344CB8AC3E}">
-        <p14:creationId xmlns:p14="http://schemas.microsoft.com/office/powerpoint/2010/main" val="3109724331"/>
+        <p14:creationId xmlns:p14="http://schemas.microsoft.com/office/powerpoint/2010/main" val="3987161561"/>
       </p:ext>
     </p:extLst>
   </p:cSld>
@@ -5242,227 +5869,7 @@
       </p:grpSpPr>
       <p:sp>
         <p:nvSpPr>
-          <p:cNvPr id="2" name="Inhaltsplatzhalter 1"/>
-          <p:cNvSpPr>
-            <a:spLocks noGrp="1"/>
-          </p:cNvSpPr>
-          <p:nvPr>
-            <p:ph idx="1"/>
-          </p:nvPr>
-        </p:nvSpPr>
-        <p:spPr/>
-        <p:txBody>
-          <a:bodyPr/>
-          <a:lstStyle/>
-          <a:p>
-            <a:r>
-              <a:rPr lang="de-DE" dirty="0" err="1"/>
-              <a:t>Now</a:t>
-            </a:r>
-            <a:r>
-              <a:rPr lang="de-DE" dirty="0"/>
-              <a:t>: 15 min break</a:t>
-            </a:r>
-          </a:p>
-          <a:p>
-            <a:endParaRPr lang="de-DE" dirty="0"/>
-          </a:p>
-          <a:p>
-            <a:r>
-              <a:rPr lang="de-DE" dirty="0"/>
-              <a:t>Grab a </a:t>
-            </a:r>
-            <a:r>
-              <a:rPr lang="de-DE" dirty="0" err="1"/>
-              <a:t>coffee</a:t>
-            </a:r>
-            <a:endParaRPr lang="de-DE" dirty="0"/>
-          </a:p>
-          <a:p>
-            <a:r>
-              <a:rPr lang="de-DE" dirty="0" err="1"/>
-              <a:t>Stay</a:t>
-            </a:r>
-            <a:r>
-              <a:rPr lang="de-DE" dirty="0"/>
-              <a:t> </a:t>
-            </a:r>
-            <a:r>
-              <a:rPr lang="de-DE" dirty="0" err="1"/>
-              <a:t>here</a:t>
-            </a:r>
-            <a:r>
-              <a:rPr lang="de-DE" dirty="0"/>
-              <a:t> </a:t>
-            </a:r>
-            <a:r>
-              <a:rPr lang="de-DE" dirty="0" err="1"/>
-              <a:t>to</a:t>
-            </a:r>
-            <a:r>
-              <a:rPr lang="de-DE" dirty="0"/>
-              <a:t> </a:t>
-            </a:r>
-            <a:r>
-              <a:rPr lang="de-DE" dirty="0" err="1"/>
-              <a:t>enjoy</a:t>
-            </a:r>
-            <a:r>
-              <a:rPr lang="de-DE" dirty="0"/>
-              <a:t> </a:t>
-            </a:r>
-            <a:r>
-              <a:rPr lang="de-DE" dirty="0" err="1"/>
-              <a:t>next</a:t>
-            </a:r>
-            <a:r>
-              <a:rPr lang="de-DE" dirty="0"/>
-              <a:t> </a:t>
-            </a:r>
-            <a:r>
-              <a:rPr lang="de-DE" dirty="0" err="1"/>
-              <a:t>presentation</a:t>
-            </a:r>
-            <a:endParaRPr lang="de-DE" dirty="0"/>
-          </a:p>
-          <a:p>
-            <a:r>
-              <a:rPr lang="de-DE" dirty="0"/>
-              <a:t>Change </a:t>
-            </a:r>
-            <a:r>
-              <a:rPr lang="de-DE" dirty="0" err="1"/>
-              <a:t>track</a:t>
-            </a:r>
-            <a:r>
-              <a:rPr lang="de-DE" dirty="0"/>
-              <a:t> </a:t>
-            </a:r>
-            <a:r>
-              <a:rPr lang="de-DE" dirty="0" err="1"/>
-              <a:t>and</a:t>
-            </a:r>
-            <a:r>
-              <a:rPr lang="de-DE" dirty="0"/>
-              <a:t> </a:t>
-            </a:r>
-            <a:r>
-              <a:rPr lang="de-DE" dirty="0" err="1"/>
-              <a:t>switch</a:t>
-            </a:r>
-            <a:r>
-              <a:rPr lang="de-DE" dirty="0"/>
-              <a:t> </a:t>
-            </a:r>
-            <a:r>
-              <a:rPr lang="de-DE" dirty="0" err="1"/>
-              <a:t>to</a:t>
-            </a:r>
-            <a:r>
-              <a:rPr lang="de-DE" dirty="0"/>
-              <a:t> </a:t>
-            </a:r>
-            <a:r>
-              <a:rPr lang="de-DE" dirty="0" err="1"/>
-              <a:t>another</a:t>
-            </a:r>
-            <a:r>
-              <a:rPr lang="de-DE" dirty="0"/>
-              <a:t> </a:t>
-            </a:r>
-            <a:r>
-              <a:rPr lang="de-DE" dirty="0" err="1"/>
-              <a:t>room</a:t>
-            </a:r>
-            <a:endParaRPr lang="de-DE" dirty="0"/>
-          </a:p>
-          <a:p>
-            <a:endParaRPr lang="de-DE" dirty="0"/>
-          </a:p>
-          <a:p>
-            <a:r>
-              <a:rPr lang="de-DE" dirty="0" err="1"/>
-              <a:t>Ask</a:t>
-            </a:r>
-            <a:r>
-              <a:rPr lang="de-DE" dirty="0"/>
-              <a:t> </a:t>
-            </a:r>
-            <a:r>
-              <a:rPr lang="de-DE" dirty="0" err="1"/>
-              <a:t>me</a:t>
-            </a:r>
-            <a:r>
-              <a:rPr lang="de-DE" dirty="0"/>
-              <a:t> </a:t>
-            </a:r>
-            <a:r>
-              <a:rPr lang="de-DE" dirty="0" err="1"/>
-              <a:t>questions</a:t>
-            </a:r>
-            <a:r>
-              <a:rPr lang="de-DE" dirty="0"/>
-              <a:t> </a:t>
-            </a:r>
-            <a:r>
-              <a:rPr lang="de-DE" dirty="0" err="1"/>
-              <a:t>or</a:t>
-            </a:r>
-            <a:r>
-              <a:rPr lang="de-DE" dirty="0"/>
-              <a:t> </a:t>
-            </a:r>
-            <a:r>
-              <a:rPr lang="de-DE" dirty="0" err="1"/>
-              <a:t>meet</a:t>
-            </a:r>
-            <a:r>
-              <a:rPr lang="de-DE" dirty="0"/>
-              <a:t> </a:t>
-            </a:r>
-            <a:r>
-              <a:rPr lang="de-DE" dirty="0" err="1"/>
-              <a:t>me</a:t>
-            </a:r>
-            <a:r>
-              <a:rPr lang="de-DE" dirty="0"/>
-              <a:t> in a </a:t>
-            </a:r>
-            <a:r>
-              <a:rPr lang="de-DE" dirty="0" err="1"/>
-              <a:t>breakout</a:t>
-            </a:r>
-            <a:r>
-              <a:rPr lang="de-DE" dirty="0"/>
-              <a:t> </a:t>
-            </a:r>
-            <a:r>
-              <a:rPr lang="de-DE" dirty="0" err="1"/>
-              <a:t>session</a:t>
-            </a:r>
-            <a:r>
-              <a:rPr lang="de-DE" dirty="0"/>
-              <a:t> </a:t>
-            </a:r>
-            <a:r>
-              <a:rPr lang="de-DE" dirty="0" err="1"/>
-              <a:t>room</a:t>
-            </a:r>
-            <a:r>
-              <a:rPr lang="de-DE" dirty="0"/>
-              <a:t> </a:t>
-            </a:r>
-            <a:r>
-              <a:rPr lang="de-DE" dirty="0" err="1"/>
-              <a:t>afterwards</a:t>
-            </a:r>
-            <a:endParaRPr lang="de-DE" dirty="0"/>
-          </a:p>
-        </p:txBody>
-      </p:sp>
-      <p:sp>
-        <p:nvSpPr>
-          <p:cNvPr id="3" name="Titel 2"/>
+          <p:cNvPr id="2" name="Rubrik 1"/>
           <p:cNvSpPr>
             <a:spLocks noGrp="1"/>
           </p:cNvSpPr>
@@ -5476,24 +5883,36 @@
           <a:lstStyle/>
           <a:p>
             <a:r>
-              <a:rPr lang="de-DE" dirty="0"/>
-              <a:t>Next </a:t>
-            </a:r>
-            <a:r>
-              <a:rPr lang="de-DE" dirty="0" err="1"/>
-              <a:t>Steps</a:t>
-            </a:r>
-            <a:r>
-              <a:rPr lang="de-DE" dirty="0"/>
-              <a:t>...</a:t>
-            </a:r>
+              <a:rPr lang="en-US" sz="8000" dirty="0"/>
+              <a:t>Invoke-Parallel</a:t>
+            </a:r>
+            <a:endParaRPr lang="sv-SE" sz="8000" dirty="0"/>
+          </a:p>
+        </p:txBody>
+      </p:sp>
+      <p:sp>
+        <p:nvSpPr>
+          <p:cNvPr id="3" name="Platshållare för text 2"/>
+          <p:cNvSpPr>
+            <a:spLocks noGrp="1"/>
+          </p:cNvSpPr>
+          <p:nvPr>
+            <p:ph type="body" sz="quarter" idx="10"/>
+          </p:nvPr>
+        </p:nvSpPr>
+        <p:spPr/>
+        <p:txBody>
+          <a:bodyPr/>
+          <a:lstStyle/>
+          <a:p>
+            <a:endParaRPr lang="sv-SE" dirty="0"/>
           </a:p>
         </p:txBody>
       </p:sp>
     </p:spTree>
     <p:extLst>
       <p:ext uri="{BB962C8B-B14F-4D97-AF65-F5344CB8AC3E}">
-        <p14:creationId xmlns:p14="http://schemas.microsoft.com/office/powerpoint/2010/main" val="3397310615"/>
+        <p14:creationId xmlns:p14="http://schemas.microsoft.com/office/powerpoint/2010/main" val="1271234355"/>
       </p:ext>
     </p:extLst>
   </p:cSld>
@@ -5502,12 +5921,12 @@
   </p:clrMapOvr>
   <mc:AlternateContent xmlns:mc="http://schemas.openxmlformats.org/markup-compatibility/2006" xmlns:p14="http://schemas.microsoft.com/office/powerpoint/2010/main">
     <mc:Choice Requires="p14">
-      <p:transition spd="med" p14:dur="700">
-        <p:fade/>
+      <p:transition spd="slow" p14:dur="1300">
+        <p14:pan dir="u"/>
       </p:transition>
     </mc:Choice>
     <mc:Fallback xmlns="">
-      <p:transition spd="med">
+      <p:transition spd="slow">
         <p:fade/>
       </p:transition>
     </mc:Fallback>
@@ -5542,6 +5961,417 @@
             <p:ph type="title"/>
           </p:nvPr>
         </p:nvSpPr>
+        <p:spPr>
+          <a:xfrm>
+            <a:off x="0" y="908720"/>
+            <a:ext cx="9144000" cy="792088"/>
+          </a:xfrm>
+          <a:prstGeom prst="rect">
+            <a:avLst/>
+          </a:prstGeom>
+        </p:spPr>
+        <p:txBody>
+          <a:bodyPr/>
+          <a:lstStyle/>
+          <a:p>
+            <a:r>
+              <a:rPr lang="de-DE" dirty="0"/>
+              <a:t>Summary</a:t>
+            </a:r>
+          </a:p>
+        </p:txBody>
+      </p:sp>
+      <p:sp>
+        <p:nvSpPr>
+          <p:cNvPr id="3" name="Inhaltsplatzhalter 2"/>
+          <p:cNvSpPr>
+            <a:spLocks noGrp="1"/>
+          </p:cNvSpPr>
+          <p:nvPr>
+            <p:ph idx="1"/>
+          </p:nvPr>
+        </p:nvSpPr>
+        <p:spPr/>
+        <p:txBody>
+          <a:bodyPr/>
+          <a:lstStyle/>
+          <a:p>
+            <a:r>
+              <a:rPr lang="de-DE" dirty="0" err="1"/>
+              <a:t>Runspaces</a:t>
+            </a:r>
+            <a:endParaRPr lang="de-DE" dirty="0"/>
+          </a:p>
+          <a:p>
+            <a:r>
+              <a:rPr lang="de-DE" dirty="0" err="1"/>
+              <a:t>InitalSessionState</a:t>
+            </a:r>
+            <a:endParaRPr lang="de-DE" dirty="0"/>
+          </a:p>
+          <a:p>
+            <a:r>
+              <a:rPr lang="de-DE" dirty="0"/>
+              <a:t>Managing </a:t>
+            </a:r>
+            <a:r>
+              <a:rPr lang="de-DE" dirty="0" err="1"/>
+              <a:t>streams</a:t>
+            </a:r>
+            <a:endParaRPr lang="de-DE" dirty="0"/>
+          </a:p>
+          <a:p>
+            <a:r>
+              <a:rPr lang="de-DE" dirty="0"/>
+              <a:t>Go crazy</a:t>
+            </a:r>
+          </a:p>
+        </p:txBody>
+      </p:sp>
+    </p:spTree>
+    <p:extLst>
+      <p:ext uri="{BB962C8B-B14F-4D97-AF65-F5344CB8AC3E}">
+        <p14:creationId xmlns:p14="http://schemas.microsoft.com/office/powerpoint/2010/main" val="3109724331"/>
+      </p:ext>
+    </p:extLst>
+  </p:cSld>
+  <p:clrMapOvr>
+    <a:masterClrMapping/>
+  </p:clrMapOvr>
+  <mc:AlternateContent xmlns:mc="http://schemas.openxmlformats.org/markup-compatibility/2006" xmlns:p14="http://schemas.microsoft.com/office/powerpoint/2010/main">
+    <mc:Choice Requires="p14">
+      <p:transition spd="med" p14:dur="700">
+        <p:fade/>
+      </p:transition>
+    </mc:Choice>
+    <mc:Fallback xmlns="">
+      <p:transition spd="med">
+        <p:fade/>
+      </p:transition>
+    </mc:Fallback>
+  </mc:AlternateContent>
+</p:sld>
+</file>
+
+<file path=ppt/slides/slide13.xml><?xml version="1.0" encoding="utf-8"?>
+<p:sld xmlns:a="http://schemas.openxmlformats.org/drawingml/2006/main" xmlns:r="http://schemas.openxmlformats.org/officeDocument/2006/relationships" xmlns:p="http://schemas.openxmlformats.org/presentationml/2006/main">
+  <p:cSld>
+    <p:spTree>
+      <p:nvGrpSpPr>
+        <p:cNvPr id="1" name=""/>
+        <p:cNvGrpSpPr/>
+        <p:nvPr/>
+      </p:nvGrpSpPr>
+      <p:grpSpPr>
+        <a:xfrm>
+          <a:off x="0" y="0"/>
+          <a:ext cx="0" cy="0"/>
+          <a:chOff x="0" y="0"/>
+          <a:chExt cx="0" cy="0"/>
+        </a:xfrm>
+      </p:grpSpPr>
+      <p:sp>
+        <p:nvSpPr>
+          <p:cNvPr id="2" name="Inhaltsplatzhalter 1"/>
+          <p:cNvSpPr>
+            <a:spLocks noGrp="1"/>
+          </p:cNvSpPr>
+          <p:nvPr>
+            <p:ph idx="1"/>
+          </p:nvPr>
+        </p:nvSpPr>
+        <p:spPr/>
+        <p:txBody>
+          <a:bodyPr/>
+          <a:lstStyle/>
+          <a:p>
+            <a:r>
+              <a:rPr lang="de-DE" dirty="0" err="1"/>
+              <a:t>Now</a:t>
+            </a:r>
+            <a:r>
+              <a:rPr lang="de-DE" dirty="0"/>
+              <a:t>: 15 min break</a:t>
+            </a:r>
+          </a:p>
+          <a:p>
+            <a:endParaRPr lang="de-DE" dirty="0"/>
+          </a:p>
+          <a:p>
+            <a:r>
+              <a:rPr lang="de-DE" dirty="0"/>
+              <a:t>Grab a </a:t>
+            </a:r>
+            <a:r>
+              <a:rPr lang="de-DE" dirty="0" err="1"/>
+              <a:t>coffee</a:t>
+            </a:r>
+            <a:endParaRPr lang="de-DE" dirty="0"/>
+          </a:p>
+          <a:p>
+            <a:r>
+              <a:rPr lang="de-DE" dirty="0" err="1"/>
+              <a:t>Stay</a:t>
+            </a:r>
+            <a:r>
+              <a:rPr lang="de-DE" dirty="0"/>
+              <a:t> </a:t>
+            </a:r>
+            <a:r>
+              <a:rPr lang="de-DE" dirty="0" err="1"/>
+              <a:t>here</a:t>
+            </a:r>
+            <a:r>
+              <a:rPr lang="de-DE" dirty="0"/>
+              <a:t> </a:t>
+            </a:r>
+            <a:r>
+              <a:rPr lang="de-DE" dirty="0" err="1"/>
+              <a:t>to</a:t>
+            </a:r>
+            <a:r>
+              <a:rPr lang="de-DE" dirty="0"/>
+              <a:t> </a:t>
+            </a:r>
+            <a:r>
+              <a:rPr lang="de-DE" dirty="0" err="1"/>
+              <a:t>enjoy</a:t>
+            </a:r>
+            <a:r>
+              <a:rPr lang="de-DE" dirty="0"/>
+              <a:t> </a:t>
+            </a:r>
+            <a:r>
+              <a:rPr lang="de-DE" dirty="0" err="1"/>
+              <a:t>next</a:t>
+            </a:r>
+            <a:r>
+              <a:rPr lang="de-DE" dirty="0"/>
+              <a:t> </a:t>
+            </a:r>
+            <a:r>
+              <a:rPr lang="de-DE" dirty="0" err="1"/>
+              <a:t>presentation</a:t>
+            </a:r>
+            <a:endParaRPr lang="de-DE" dirty="0"/>
+          </a:p>
+          <a:p>
+            <a:r>
+              <a:rPr lang="de-DE" dirty="0"/>
+              <a:t>Change </a:t>
+            </a:r>
+            <a:r>
+              <a:rPr lang="de-DE" dirty="0" err="1"/>
+              <a:t>track</a:t>
+            </a:r>
+            <a:r>
+              <a:rPr lang="de-DE" dirty="0"/>
+              <a:t> </a:t>
+            </a:r>
+            <a:r>
+              <a:rPr lang="de-DE" dirty="0" err="1"/>
+              <a:t>and</a:t>
+            </a:r>
+            <a:r>
+              <a:rPr lang="de-DE" dirty="0"/>
+              <a:t> </a:t>
+            </a:r>
+            <a:r>
+              <a:rPr lang="de-DE" dirty="0" err="1"/>
+              <a:t>switch</a:t>
+            </a:r>
+            <a:r>
+              <a:rPr lang="de-DE" dirty="0"/>
+              <a:t> </a:t>
+            </a:r>
+            <a:r>
+              <a:rPr lang="de-DE" dirty="0" err="1"/>
+              <a:t>to</a:t>
+            </a:r>
+            <a:r>
+              <a:rPr lang="de-DE" dirty="0"/>
+              <a:t> </a:t>
+            </a:r>
+            <a:r>
+              <a:rPr lang="de-DE" dirty="0" err="1"/>
+              <a:t>another</a:t>
+            </a:r>
+            <a:r>
+              <a:rPr lang="de-DE" dirty="0"/>
+              <a:t> </a:t>
+            </a:r>
+            <a:r>
+              <a:rPr lang="de-DE" dirty="0" err="1"/>
+              <a:t>room</a:t>
+            </a:r>
+            <a:endParaRPr lang="de-DE" dirty="0"/>
+          </a:p>
+          <a:p>
+            <a:endParaRPr lang="de-DE" dirty="0"/>
+          </a:p>
+          <a:p>
+            <a:r>
+              <a:rPr lang="de-DE" dirty="0" err="1"/>
+              <a:t>Ask</a:t>
+            </a:r>
+            <a:r>
+              <a:rPr lang="de-DE" dirty="0"/>
+              <a:t> </a:t>
+            </a:r>
+            <a:r>
+              <a:rPr lang="de-DE" dirty="0" err="1"/>
+              <a:t>me</a:t>
+            </a:r>
+            <a:r>
+              <a:rPr lang="de-DE" dirty="0"/>
+              <a:t> </a:t>
+            </a:r>
+            <a:r>
+              <a:rPr lang="de-DE" dirty="0" err="1"/>
+              <a:t>questions</a:t>
+            </a:r>
+            <a:r>
+              <a:rPr lang="de-DE" dirty="0"/>
+              <a:t> </a:t>
+            </a:r>
+            <a:r>
+              <a:rPr lang="de-DE" dirty="0" err="1"/>
+              <a:t>or</a:t>
+            </a:r>
+            <a:r>
+              <a:rPr lang="de-DE" dirty="0"/>
+              <a:t> </a:t>
+            </a:r>
+            <a:r>
+              <a:rPr lang="de-DE" dirty="0" err="1"/>
+              <a:t>meet</a:t>
+            </a:r>
+            <a:r>
+              <a:rPr lang="de-DE" dirty="0"/>
+              <a:t> </a:t>
+            </a:r>
+            <a:r>
+              <a:rPr lang="de-DE" dirty="0" err="1"/>
+              <a:t>me</a:t>
+            </a:r>
+            <a:r>
+              <a:rPr lang="de-DE" dirty="0"/>
+              <a:t> in a </a:t>
+            </a:r>
+            <a:r>
+              <a:rPr lang="de-DE" dirty="0" err="1"/>
+              <a:t>breakout</a:t>
+            </a:r>
+            <a:r>
+              <a:rPr lang="de-DE" dirty="0"/>
+              <a:t> </a:t>
+            </a:r>
+            <a:r>
+              <a:rPr lang="de-DE" dirty="0" err="1"/>
+              <a:t>session</a:t>
+            </a:r>
+            <a:r>
+              <a:rPr lang="de-DE" dirty="0"/>
+              <a:t> </a:t>
+            </a:r>
+            <a:r>
+              <a:rPr lang="de-DE" dirty="0" err="1"/>
+              <a:t>room</a:t>
+            </a:r>
+            <a:r>
+              <a:rPr lang="de-DE" dirty="0"/>
+              <a:t> </a:t>
+            </a:r>
+            <a:r>
+              <a:rPr lang="de-DE" dirty="0" err="1"/>
+              <a:t>afterwards</a:t>
+            </a:r>
+            <a:endParaRPr lang="de-DE" dirty="0"/>
+          </a:p>
+        </p:txBody>
+      </p:sp>
+      <p:sp>
+        <p:nvSpPr>
+          <p:cNvPr id="3" name="Titel 2"/>
+          <p:cNvSpPr>
+            <a:spLocks noGrp="1"/>
+          </p:cNvSpPr>
+          <p:nvPr>
+            <p:ph type="title"/>
+          </p:nvPr>
+        </p:nvSpPr>
+        <p:spPr/>
+        <p:txBody>
+          <a:bodyPr/>
+          <a:lstStyle/>
+          <a:p>
+            <a:r>
+              <a:rPr lang="de-DE" dirty="0"/>
+              <a:t>Next </a:t>
+            </a:r>
+            <a:r>
+              <a:rPr lang="de-DE" dirty="0" err="1"/>
+              <a:t>Steps</a:t>
+            </a:r>
+            <a:r>
+              <a:rPr lang="de-DE" dirty="0"/>
+              <a:t>...</a:t>
+            </a:r>
+          </a:p>
+        </p:txBody>
+      </p:sp>
+    </p:spTree>
+    <p:extLst>
+      <p:ext uri="{BB962C8B-B14F-4D97-AF65-F5344CB8AC3E}">
+        <p14:creationId xmlns:p14="http://schemas.microsoft.com/office/powerpoint/2010/main" val="3397310615"/>
+      </p:ext>
+    </p:extLst>
+  </p:cSld>
+  <p:clrMapOvr>
+    <a:masterClrMapping/>
+  </p:clrMapOvr>
+  <mc:AlternateContent xmlns:mc="http://schemas.openxmlformats.org/markup-compatibility/2006" xmlns:p14="http://schemas.microsoft.com/office/powerpoint/2010/main">
+    <mc:Choice Requires="p14">
+      <p:transition spd="med" p14:dur="700">
+        <p:fade/>
+      </p:transition>
+    </mc:Choice>
+    <mc:Fallback xmlns="">
+      <p:transition spd="med">
+        <p:fade/>
+      </p:transition>
+    </mc:Fallback>
+  </mc:AlternateContent>
+</p:sld>
+</file>
+
+<file path=ppt/slides/slide14.xml><?xml version="1.0" encoding="utf-8"?>
+<p:sld xmlns:a="http://schemas.openxmlformats.org/drawingml/2006/main" xmlns:r="http://schemas.openxmlformats.org/officeDocument/2006/relationships" xmlns:p="http://schemas.openxmlformats.org/presentationml/2006/main">
+  <p:cSld>
+    <p:spTree>
+      <p:nvGrpSpPr>
+        <p:cNvPr id="1" name=""/>
+        <p:cNvGrpSpPr/>
+        <p:nvPr/>
+      </p:nvGrpSpPr>
+      <p:grpSpPr>
+        <a:xfrm>
+          <a:off x="0" y="0"/>
+          <a:ext cx="0" cy="0"/>
+          <a:chOff x="0" y="0"/>
+          <a:chExt cx="0" cy="0"/>
+        </a:xfrm>
+      </p:grpSpPr>
+      <p:sp>
+        <p:nvSpPr>
+          <p:cNvPr id="2" name="Titel 1"/>
+          <p:cNvSpPr>
+            <a:spLocks noGrp="1"/>
+          </p:cNvSpPr>
+          <p:nvPr>
+            <p:ph type="title"/>
+          </p:nvPr>
+        </p:nvSpPr>
         <p:spPr/>
         <p:txBody>
           <a:bodyPr/>
@@ -5602,7 +6432,7 @@
 </p:sld>
 </file>
 
-<file path=ppt/slides/slide13.xml><?xml version="1.0" encoding="utf-8"?>
+<file path=ppt/slides/slide15.xml><?xml version="1.0" encoding="utf-8"?>
 <p:sld xmlns:a="http://schemas.openxmlformats.org/drawingml/2006/main" xmlns:r="http://schemas.openxmlformats.org/officeDocument/2006/relationships" xmlns:p="http://schemas.openxmlformats.org/presentationml/2006/main">
   <p:cSld>
     <p:spTree>
@@ -6268,7 +7098,63 @@
               <a:rPr lang="en-US" dirty="0"/>
               <a:t> is opened</a:t>
             </a:r>
-            <a:endParaRPr lang="de-DE" dirty="0"/>
+          </a:p>
+          <a:p>
+            <a:pPr lvl="1"/>
+            <a:r>
+              <a:rPr lang="en-US" dirty="0"/>
+              <a:t>Providers</a:t>
+            </a:r>
+          </a:p>
+          <a:p>
+            <a:pPr lvl="1"/>
+            <a:r>
+              <a:rPr lang="en-US" dirty="0"/>
+              <a:t>Variables</a:t>
+            </a:r>
+          </a:p>
+          <a:p>
+            <a:pPr lvl="1"/>
+            <a:r>
+              <a:rPr lang="en-US" dirty="0"/>
+              <a:t>Functions</a:t>
+            </a:r>
+          </a:p>
+          <a:p>
+            <a:pPr lvl="1"/>
+            <a:r>
+              <a:rPr lang="en-US" dirty="0"/>
+              <a:t>Cmdlets</a:t>
+            </a:r>
+          </a:p>
+          <a:p>
+            <a:pPr lvl="1"/>
+            <a:r>
+              <a:rPr lang="en-US" dirty="0"/>
+              <a:t>Aliases</a:t>
+            </a:r>
+          </a:p>
+          <a:p>
+            <a:pPr lvl="1"/>
+            <a:r>
+              <a:rPr lang="en-US" dirty="0" err="1"/>
+              <a:t>TypeData</a:t>
+            </a:r>
+            <a:endParaRPr lang="en-US" dirty="0"/>
+          </a:p>
+          <a:p>
+            <a:pPr lvl="1"/>
+            <a:r>
+              <a:rPr lang="en-US" dirty="0"/>
+              <a:t>Formats</a:t>
+            </a:r>
+          </a:p>
+          <a:p>
+            <a:pPr lvl="1"/>
+            <a:r>
+              <a:rPr lang="en-US" dirty="0"/>
+              <a:t>What is missing?</a:t>
+            </a:r>
           </a:p>
         </p:txBody>
       </p:sp>
@@ -9155,7 +10041,7 @@
       </p:grpSpPr>
       <p:sp>
         <p:nvSpPr>
-          <p:cNvPr id="2" name="Title 1"/>
+          <p:cNvPr id="2" name="Rubrik 1"/>
           <p:cNvSpPr>
             <a:spLocks noGrp="1"/>
           </p:cNvSpPr>
@@ -9163,34 +10049,27 @@
             <p:ph type="title"/>
           </p:nvPr>
         </p:nvSpPr>
-        <p:spPr>
-          <a:xfrm>
-            <a:off x="0" y="908720"/>
-            <a:ext cx="9144000" cy="792088"/>
-          </a:xfrm>
-          <a:prstGeom prst="rect">
-            <a:avLst/>
-          </a:prstGeom>
-        </p:spPr>
+        <p:spPr/>
         <p:txBody>
           <a:bodyPr/>
           <a:lstStyle/>
           <a:p>
             <a:r>
-              <a:rPr lang="de-DE" dirty="0"/>
-              <a:t>Streams</a:t>
-            </a:r>
+              <a:rPr lang="en-US" dirty="0" err="1"/>
+              <a:t>Runspaces</a:t>
+            </a:r>
+            <a:endParaRPr lang="sv-SE" dirty="0"/>
           </a:p>
         </p:txBody>
       </p:sp>
       <p:sp>
         <p:nvSpPr>
-          <p:cNvPr id="3" name="Content Placeholder 2"/>
+          <p:cNvPr id="3" name="Platshållare för text 2"/>
           <p:cNvSpPr>
             <a:spLocks noGrp="1"/>
           </p:cNvSpPr>
           <p:nvPr>
-            <p:ph idx="1"/>
+            <p:ph type="body" sz="quarter" idx="10"/>
           </p:nvPr>
         </p:nvSpPr>
         <p:spPr/>
@@ -9200,57 +10079,24 @@
           <a:p>
             <a:r>
               <a:rPr lang="en-US" dirty="0"/>
-              <a:t>Output</a:t>
-            </a:r>
-          </a:p>
-          <a:p>
+              <a:t>Creating </a:t>
+            </a:r>
+            <a:r>
+              <a:rPr lang="en-US" dirty="0" err="1"/>
+              <a:t>runspaces</a:t>
+            </a:r>
             <a:r>
               <a:rPr lang="en-US" dirty="0"/>
-              <a:t>Error</a:t>
-            </a:r>
-          </a:p>
-          <a:p>
-            <a:r>
-              <a:rPr lang="en-US" dirty="0"/>
-              <a:t>Warning</a:t>
-            </a:r>
-          </a:p>
-          <a:p>
-            <a:r>
-              <a:rPr lang="en-US" dirty="0" err="1"/>
-              <a:t>Progres</a:t>
-            </a:r>
-            <a:r>
-              <a:rPr lang="de-DE" dirty="0"/>
-              <a:t>s</a:t>
-            </a:r>
-          </a:p>
-          <a:p>
-            <a:r>
-              <a:rPr lang="de-DE" dirty="0"/>
-              <a:t>Verbose</a:t>
-            </a:r>
-          </a:p>
-          <a:p>
-            <a:r>
-              <a:rPr lang="de-DE" dirty="0" err="1"/>
-              <a:t>Debug</a:t>
-            </a:r>
-            <a:endParaRPr lang="de-DE" dirty="0"/>
-          </a:p>
-          <a:p>
-            <a:r>
-              <a:rPr lang="de-DE" dirty="0" err="1"/>
-              <a:t>Informational</a:t>
-            </a:r>
-            <a:endParaRPr lang="en-US" dirty="0"/>
+              <a:t> and executing commands</a:t>
+            </a:r>
+            <a:endParaRPr lang="sv-SE" dirty="0"/>
           </a:p>
         </p:txBody>
       </p:sp>
     </p:spTree>
     <p:extLst>
       <p:ext uri="{BB962C8B-B14F-4D97-AF65-F5344CB8AC3E}">
-        <p14:creationId xmlns:p14="http://schemas.microsoft.com/office/powerpoint/2010/main" val="3862352754"/>
+        <p14:creationId xmlns:p14="http://schemas.microsoft.com/office/powerpoint/2010/main" val="4189323005"/>
       </p:ext>
     </p:extLst>
   </p:cSld>
@@ -9259,12 +10105,12 @@
   </p:clrMapOvr>
   <mc:AlternateContent xmlns:mc="http://schemas.openxmlformats.org/markup-compatibility/2006" xmlns:p14="http://schemas.microsoft.com/office/powerpoint/2010/main">
     <mc:Choice Requires="p14">
-      <p:transition spd="med" p14:dur="700">
-        <p:fade/>
+      <p:transition spd="slow" p14:dur="1300">
+        <p14:pan dir="u"/>
       </p:transition>
     </mc:Choice>
     <mc:Fallback xmlns="">
-      <p:transition spd="med">
+      <p:transition spd="slow">
         <p:fade/>
       </p:transition>
     </mc:Fallback>
@@ -9291,7 +10137,7 @@
       </p:grpSpPr>
       <p:sp>
         <p:nvSpPr>
-          <p:cNvPr id="9218" name="Titel 1"/>
+          <p:cNvPr id="2" name="Title 1"/>
           <p:cNvSpPr>
             <a:spLocks noGrp="1"/>
           </p:cNvSpPr>
@@ -9313,19 +10159,15 @@
           <a:lstStyle/>
           <a:p>
             <a:r>
-              <a:rPr lang="de-DE" dirty="0" err="1"/>
-              <a:t>Invoke</a:t>
-            </a:r>
-            <a:r>
               <a:rPr lang="de-DE" dirty="0"/>
-              <a:t>-Parallel</a:t>
+              <a:t>Streams</a:t>
             </a:r>
           </a:p>
         </p:txBody>
       </p:sp>
       <p:sp>
         <p:nvSpPr>
-          <p:cNvPr id="9219" name="Inhaltsplatzhalter 2"/>
+          <p:cNvPr id="3" name="Content Placeholder 2"/>
           <p:cNvSpPr>
             <a:spLocks noGrp="1"/>
           </p:cNvSpPr>
@@ -9338,91 +10180,59 @@
           <a:bodyPr/>
           <a:lstStyle/>
           <a:p>
-            <a:pPr marL="0" indent="0">
-              <a:buNone/>
-            </a:pPr>
+            <a:r>
+              <a:rPr lang="en-US" dirty="0"/>
+              <a:t>Output</a:t>
+            </a:r>
+          </a:p>
+          <a:p>
+            <a:r>
+              <a:rPr lang="en-US" dirty="0"/>
+              <a:t>Error</a:t>
+            </a:r>
+          </a:p>
+          <a:p>
+            <a:r>
+              <a:rPr lang="en-US" dirty="0"/>
+              <a:t>Warning</a:t>
+            </a:r>
+          </a:p>
+          <a:p>
+            <a:r>
+              <a:rPr lang="en-US" dirty="0" err="1"/>
+              <a:t>Progres</a:t>
+            </a:r>
+            <a:r>
+              <a:rPr lang="de-DE" dirty="0"/>
+              <a:t>s</a:t>
+            </a:r>
+          </a:p>
+          <a:p>
+            <a:r>
+              <a:rPr lang="de-DE" dirty="0"/>
+              <a:t>Verbose</a:t>
+            </a:r>
+          </a:p>
+          <a:p>
             <a:r>
               <a:rPr lang="de-DE" dirty="0" err="1"/>
-              <a:t>Packaging</a:t>
-            </a:r>
-            <a:r>
-              <a:rPr lang="de-DE" dirty="0"/>
-              <a:t> </a:t>
-            </a:r>
+              <a:t>Debug</a:t>
+            </a:r>
+            <a:endParaRPr lang="de-DE" dirty="0"/>
+          </a:p>
+          <a:p>
             <a:r>
               <a:rPr lang="de-DE" dirty="0" err="1"/>
-              <a:t>InitialSessionState</a:t>
-            </a:r>
-            <a:r>
-              <a:rPr lang="de-DE" dirty="0"/>
-              <a:t>, </a:t>
-            </a:r>
-            <a:r>
-              <a:rPr lang="de-DE" dirty="0" err="1"/>
-              <a:t>Runspace</a:t>
-            </a:r>
-            <a:r>
-              <a:rPr lang="de-DE" dirty="0"/>
-              <a:t> </a:t>
-            </a:r>
-            <a:r>
-              <a:rPr lang="de-DE" dirty="0" err="1"/>
-              <a:t>management</a:t>
-            </a:r>
-            <a:r>
-              <a:rPr lang="de-DE" dirty="0"/>
-              <a:t> </a:t>
-            </a:r>
-            <a:r>
-              <a:rPr lang="de-DE" dirty="0" err="1"/>
-              <a:t>and</a:t>
-            </a:r>
-            <a:r>
-              <a:rPr lang="de-DE" dirty="0"/>
-              <a:t> </a:t>
-            </a:r>
-            <a:r>
-              <a:rPr lang="de-DE" dirty="0" err="1"/>
-              <a:t>input</a:t>
-            </a:r>
-            <a:r>
-              <a:rPr lang="de-DE" dirty="0"/>
-              <a:t> </a:t>
-            </a:r>
-            <a:r>
-              <a:rPr lang="de-DE" dirty="0" err="1"/>
-              <a:t>handling</a:t>
-            </a:r>
-            <a:r>
-              <a:rPr lang="de-DE" dirty="0"/>
-              <a:t> </a:t>
-            </a:r>
-            <a:r>
-              <a:rPr lang="de-DE" dirty="0" err="1"/>
-              <a:t>into</a:t>
-            </a:r>
-            <a:r>
-              <a:rPr lang="de-DE" dirty="0"/>
-              <a:t> a </a:t>
-            </a:r>
-            <a:r>
-              <a:rPr lang="de-DE" dirty="0" err="1"/>
-              <a:t>cmdlet</a:t>
-            </a:r>
-            <a:endParaRPr lang="de-DE" dirty="0"/>
-          </a:p>
-          <a:p>
-            <a:pPr marL="0" indent="0">
-              <a:buNone/>
-            </a:pPr>
-            <a:endParaRPr lang="de-DE" dirty="0"/>
+              <a:t>Informational</a:t>
+            </a:r>
+            <a:endParaRPr lang="en-US" dirty="0"/>
           </a:p>
         </p:txBody>
       </p:sp>
     </p:spTree>
     <p:extLst>
       <p:ext uri="{BB962C8B-B14F-4D97-AF65-F5344CB8AC3E}">
-        <p14:creationId xmlns:p14="http://schemas.microsoft.com/office/powerpoint/2010/main" val="3987161561"/>
+        <p14:creationId xmlns:p14="http://schemas.microsoft.com/office/powerpoint/2010/main" val="3862352754"/>
       </p:ext>
     </p:extLst>
   </p:cSld>

--- a/Parallel/Parallelizing PowerShell.pptx
+++ b/Parallel/Parallelizing PowerShell.pptx
@@ -6473,13 +6473,14 @@
               <a:rPr lang="de-DE" dirty="0" err="1"/>
               <a:t>staffangson</a:t>
             </a:r>
-            <a:endParaRPr lang="de-DE"/>
-          </a:p>
-          <a:p>
-            <a:pPr marL="457200" lvl="1" indent="0">
-              <a:buNone/>
-            </a:pPr>
             <a:endParaRPr lang="de-DE" dirty="0"/>
+          </a:p>
+          <a:p>
+            <a:pPr lvl="1"/>
+            <a:r>
+              <a:rPr lang="de-DE" dirty="0"/>
+              <a:t>https://github.com/powercode</a:t>
+            </a:r>
           </a:p>
         </p:txBody>
       </p:sp>

--- a/Parallel/Parallelizing PowerShell.pptx
+++ b/Parallel/Parallelizing PowerShell.pptx
@@ -6025,6 +6025,60 @@
               <a:rPr lang="de-DE" dirty="0"/>
               <a:t>Go crazy</a:t>
             </a:r>
+          </a:p>
+          <a:p>
+            <a:r>
+              <a:rPr lang="de-DE" dirty="0" err="1"/>
+              <a:t>Install</a:t>
+            </a:r>
+            <a:r>
+              <a:rPr lang="de-DE" dirty="0"/>
+              <a:t>-Module </a:t>
+            </a:r>
+            <a:r>
+              <a:rPr lang="de-DE" dirty="0" err="1"/>
+              <a:t>PSParallel</a:t>
+            </a:r>
+            <a:endParaRPr lang="de-DE" dirty="0"/>
+          </a:p>
+          <a:p>
+            <a:r>
+              <a:rPr lang="de-DE" dirty="0"/>
+              <a:t>1..100 </a:t>
+            </a:r>
+            <a:r>
+              <a:rPr lang="de-DE" sz="2400" dirty="0"/>
+              <a:t>| </a:t>
+            </a:r>
+            <a:r>
+              <a:rPr lang="de-DE" sz="2400" dirty="0" err="1"/>
+              <a:t>Invoke</a:t>
+            </a:r>
+            <a:r>
+              <a:rPr lang="de-DE" sz="2400" dirty="0"/>
+              <a:t>-Parallel {</a:t>
+            </a:r>
+            <a:r>
+              <a:rPr lang="en-US" sz="2400" dirty="0"/>
+              <a:t>’</a:t>
+            </a:r>
+            <a:r>
+              <a:rPr lang="de-DE" sz="2400" dirty="0" err="1"/>
+              <a:t>PowerShell</a:t>
+            </a:r>
+            <a:r>
+              <a:rPr lang="de-DE" sz="2400" dirty="0"/>
+              <a:t> Rocks!</a:t>
+            </a:r>
+            <a:r>
+              <a:rPr lang="en-US" sz="2400" dirty="0"/>
+              <a:t>’</a:t>
+            </a:r>
+            <a:r>
+              <a:rPr lang="de-DE" sz="2400" dirty="0"/>
+              <a:t>}</a:t>
+            </a:r>
+            <a:endParaRPr lang="de-DE" dirty="0"/>
           </a:p>
         </p:txBody>
       </p:sp>
